--- a/CS2/Arduino入門.pptx
+++ b/CS2/Arduino入門.pptx
@@ -5,10 +5,10 @@
     <p:sldMasterId id="2147483648" r:id="rId1"/>
   </p:sldMasterIdLst>
   <p:notesMasterIdLst>
-    <p:notesMasterId r:id="rId31"/>
+    <p:notesMasterId r:id="rId35"/>
   </p:notesMasterIdLst>
   <p:handoutMasterIdLst>
-    <p:handoutMasterId r:id="rId32"/>
+    <p:handoutMasterId r:id="rId36"/>
   </p:handoutMasterIdLst>
   <p:sldIdLst>
     <p:sldId id="290" r:id="rId2"/>
@@ -33,13 +33,17 @@
     <p:sldId id="288" r:id="rId21"/>
     <p:sldId id="289" r:id="rId22"/>
     <p:sldId id="276" r:id="rId23"/>
-    <p:sldId id="264" r:id="rId24"/>
-    <p:sldId id="265" r:id="rId25"/>
-    <p:sldId id="266" r:id="rId26"/>
-    <p:sldId id="267" r:id="rId27"/>
-    <p:sldId id="268" r:id="rId28"/>
-    <p:sldId id="269" r:id="rId29"/>
-    <p:sldId id="258" r:id="rId30"/>
+    <p:sldId id="291" r:id="rId24"/>
+    <p:sldId id="292" r:id="rId25"/>
+    <p:sldId id="293" r:id="rId26"/>
+    <p:sldId id="294" r:id="rId27"/>
+    <p:sldId id="264" r:id="rId28"/>
+    <p:sldId id="265" r:id="rId29"/>
+    <p:sldId id="266" r:id="rId30"/>
+    <p:sldId id="267" r:id="rId31"/>
+    <p:sldId id="268" r:id="rId32"/>
+    <p:sldId id="269" r:id="rId33"/>
+    <p:sldId id="258" r:id="rId34"/>
   </p:sldIdLst>
   <p:sldSz cx="9144000" cy="6858000" type="screen4x3"/>
   <p:notesSz cx="6858000" cy="9144000"/>
@@ -13694,7 +13698,7 @@
               <a:pPr>
                 <a:defRPr/>
               </a:pPr>
-              <a:t>13/01/21</a:t>
+              <a:t>13/01/28</a:t>
             </a:fld>
             <a:endParaRPr dirty="0"/>
           </a:p>
@@ -13913,7 +13917,7 @@
               <a:pPr>
                 <a:defRPr/>
               </a:pPr>
-              <a:t>13/01/21</a:t>
+              <a:t>13/01/28</a:t>
             </a:fld>
             <a:endParaRPr/>
           </a:p>
@@ -14768,7 +14772,7 @@
               <a:pPr>
                 <a:defRPr kumimoji="0"/>
               </a:pPr>
-              <a:t>13/01/21</a:t>
+              <a:t>13/01/28</a:t>
             </a:fld>
             <a:endParaRPr kumimoji="0"/>
           </a:p>
@@ -14888,7 +14892,7 @@
               <a:pPr>
                 <a:defRPr kumimoji="0"/>
               </a:pPr>
-              <a:t>13/01/21</a:t>
+              <a:t>13/01/28</a:t>
             </a:fld>
             <a:endParaRPr kumimoji="0"/>
           </a:p>
@@ -15040,7 +15044,7 @@
               <a:pPr>
                 <a:defRPr kumimoji="0"/>
               </a:pPr>
-              <a:t>13/01/21</a:t>
+              <a:t>13/01/28</a:t>
             </a:fld>
             <a:endParaRPr kumimoji="0"/>
           </a:p>
@@ -15297,7 +15301,7 @@
               <a:pPr>
                 <a:defRPr kumimoji="0"/>
               </a:pPr>
-              <a:t>13/01/21</a:t>
+              <a:t>13/01/28</a:t>
             </a:fld>
             <a:endParaRPr kumimoji="0" dirty="0"/>
           </a:p>
@@ -15665,7 +15669,7 @@
               <a:pPr>
                 <a:defRPr kumimoji="0"/>
               </a:pPr>
-              <a:t>13/01/21</a:t>
+              <a:t>13/01/28</a:t>
             </a:fld>
             <a:endParaRPr kumimoji="0"/>
           </a:p>
@@ -16050,7 +16054,7 @@
               <a:pPr>
                 <a:defRPr kumimoji="0"/>
               </a:pPr>
-              <a:t>13/01/21</a:t>
+              <a:t>13/01/28</a:t>
             </a:fld>
             <a:endParaRPr kumimoji="0"/>
           </a:p>
@@ -16562,7 +16566,7 @@
               <a:pPr>
                 <a:defRPr kumimoji="0"/>
               </a:pPr>
-              <a:t>13/01/21</a:t>
+              <a:t>13/01/28</a:t>
             </a:fld>
             <a:endParaRPr kumimoji="0"/>
           </a:p>
@@ -16897,7 +16901,7 @@
               <a:pPr>
                 <a:defRPr kumimoji="0"/>
               </a:pPr>
-              <a:t>13/01/21</a:t>
+              <a:t>13/01/28</a:t>
             </a:fld>
             <a:endParaRPr kumimoji="0"/>
           </a:p>
@@ -17183,7 +17187,7 @@
               <a:pPr>
                 <a:defRPr kumimoji="0"/>
               </a:pPr>
-              <a:t>13/01/21</a:t>
+              <a:t>13/01/28</a:t>
             </a:fld>
             <a:endParaRPr kumimoji="0"/>
           </a:p>
@@ -17411,7 +17415,7 @@
               <a:pPr>
                 <a:defRPr kumimoji="0"/>
               </a:pPr>
-              <a:t>13/01/21</a:t>
+              <a:t>13/01/28</a:t>
             </a:fld>
             <a:endParaRPr kumimoji="0"/>
           </a:p>
@@ -17649,7 +17653,7 @@
               <a:pPr>
                 <a:defRPr kumimoji="0"/>
               </a:pPr>
-              <a:t>13/01/21</a:t>
+              <a:t>13/01/28</a:t>
             </a:fld>
             <a:endParaRPr kumimoji="0"/>
           </a:p>
@@ -17974,7 +17978,7 @@
               <a:pPr>
                 <a:defRPr kumimoji="0"/>
               </a:pPr>
-              <a:t>13/01/21</a:t>
+              <a:t>13/01/28</a:t>
             </a:fld>
             <a:endParaRPr kumimoji="0"/>
           </a:p>
@@ -24417,11 +24421,15 @@
             </a:r>
             <a:r>
               <a:rPr kumimoji="1" lang="en-US" altLang="ja-JP" dirty="0" smtClean="0"/>
-              <a:t> II-</a:t>
+              <a:t> </a:t>
+            </a:r>
+            <a:r>
+              <a:rPr kumimoji="1" lang="en-US" altLang="ja-JP" dirty="0" smtClean="0"/>
+              <a:t>III-</a:t>
             </a:r>
             <a:r>
               <a:rPr kumimoji="1" lang="en-US" altLang="ja-JP" dirty="0"/>
-              <a:t>2</a:t>
+              <a:t>1</a:t>
             </a:r>
             <a:endParaRPr kumimoji="1" lang="ja-JP" altLang="en-US" dirty="0"/>
           </a:p>
@@ -27828,7 +27836,7 @@
             </a:r>
             <a:r>
               <a:rPr kumimoji="1" lang="ja-JP" altLang="en-US" dirty="0" smtClean="0"/>
-              <a:t>準備</a:t>
+              <a:t>準備をととのえる</a:t>
             </a:r>
             <a:endParaRPr kumimoji="1" lang="ja-JP" altLang="en-US" dirty="0"/>
           </a:p>
@@ -29748,11 +29756,15 @@
             </a:r>
             <a:r>
               <a:rPr kumimoji="1" lang="en-US" altLang="ja-JP" dirty="0"/>
-              <a:t> II</a:t>
+              <a:t> </a:t>
             </a:r>
             <a:r>
               <a:rPr kumimoji="1" lang="en-US" altLang="ja-JP" dirty="0" smtClean="0"/>
-              <a:t>-3</a:t>
+              <a:t>III-</a:t>
+            </a:r>
+            <a:r>
+              <a:rPr kumimoji="1" lang="en-US" altLang="ja-JP" dirty="0"/>
+              <a:t>2</a:t>
             </a:r>
             <a:endParaRPr kumimoji="1" lang="ja-JP" altLang="en-US" dirty="0"/>
           </a:p>
@@ -29885,19 +29897,11 @@
             </a:r>
             <a:r>
               <a:rPr kumimoji="1" lang="en-US" altLang="ja-JP" dirty="0" smtClean="0"/>
-              <a:t> AIN 0 〜 5 </a:t>
+              <a:t> Analog Input  0 〜 5 </a:t>
             </a:r>
             <a:r>
               <a:rPr kumimoji="1" lang="ja-JP" altLang="en-US" dirty="0" smtClean="0"/>
-              <a:t>に印加された電圧を</a:t>
-            </a:r>
-            <a:r>
-              <a:rPr kumimoji="1" lang="en-US" altLang="ja-JP" dirty="0" smtClean="0"/>
-              <a:t> A/D </a:t>
-            </a:r>
-            <a:r>
-              <a:rPr kumimoji="1" lang="ja-JP" altLang="en-US" dirty="0" smtClean="0"/>
-              <a:t>コンバータで整数値</a:t>
+              <a:t>から電圧を整数値</a:t>
             </a:r>
             <a:r>
               <a:rPr kumimoji="1" lang="en-US" altLang="ja-JP" dirty="0" smtClean="0"/>
@@ -29905,46 +29909,27 @@
             </a:r>
             <a:r>
               <a:rPr kumimoji="1" lang="ja-JP" altLang="en-US" dirty="0" smtClean="0"/>
-              <a:t>として取得</a:t>
+              <a:t>として読み取れる</a:t>
             </a:r>
             <a:endParaRPr kumimoji="1" lang="en-US" altLang="ja-JP" dirty="0" smtClean="0"/>
           </a:p>
           <a:p>
             <a:pPr lvl="1"/>
             <a:r>
+              <a:rPr kumimoji="1" lang="en-US" altLang="ja-JP" dirty="0" smtClean="0"/>
+              <a:t>A</a:t>
+            </a:r>
+            <a:r>
+              <a:rPr kumimoji="1" lang="en-US" altLang="ja-JP" dirty="0"/>
+              <a:t>/D </a:t>
+            </a:r>
+            <a:r>
+              <a:rPr kumimoji="1" lang="ja-JP" altLang="en-US" dirty="0"/>
+              <a:t>コンバータ</a:t>
+            </a:r>
+            <a:r>
               <a:rPr kumimoji="1" lang="ja-JP" altLang="en-US" dirty="0" smtClean="0"/>
-              <a:t>入力できる電圧は</a:t>
-            </a:r>
-            <a:r>
-              <a:rPr kumimoji="1" lang="en-US" altLang="ja-JP" dirty="0" smtClean="0"/>
-              <a:t> 0 V (= GND) </a:t>
-            </a:r>
-            <a:r>
-              <a:rPr kumimoji="1" lang="ja-JP" altLang="en-US" dirty="0" smtClean="0"/>
-              <a:t>から</a:t>
-            </a:r>
-            <a:r>
-              <a:rPr kumimoji="1" lang="en-US" altLang="ja-JP" dirty="0" smtClean="0"/>
-              <a:t> 5 V (=</a:t>
-            </a:r>
-            <a:r>
-              <a:rPr kumimoji="1" lang="ja-JP" altLang="en-US" dirty="0" smtClean="0"/>
-              <a:t>電源電圧</a:t>
-            </a:r>
-            <a:r>
-              <a:rPr kumimoji="1" lang="en-US" altLang="ja-JP" dirty="0" smtClean="0"/>
-              <a:t>) </a:t>
-            </a:r>
-            <a:r>
-              <a:rPr kumimoji="1" lang="ja-JP" altLang="en-US" dirty="0" smtClean="0"/>
-              <a:t>まで</a:t>
-            </a:r>
-            <a:endParaRPr kumimoji="1" lang="en-US" altLang="ja-JP" dirty="0"/>
-          </a:p>
-          <a:p>
-            <a:r>
-              <a:rPr kumimoji="1" lang="ja-JP" altLang="en-US" dirty="0" smtClean="0"/>
-              <a:t>アナログタイプのセンサの出力を利用できる</a:t>
+              <a:t>で変換、１ミリ秒間隔程度で</a:t>
             </a:r>
             <a:endParaRPr kumimoji="1" lang="en-US" altLang="ja-JP" dirty="0" smtClean="0"/>
           </a:p>
@@ -29952,12 +29937,65 @@
             <a:pPr lvl="1"/>
             <a:r>
               <a:rPr kumimoji="1" lang="ja-JP" altLang="en-US" dirty="0" smtClean="0"/>
-              <a:t>温度センサ、照度センサ、距離センサ、加速度センサ</a:t>
+              <a:t>入力できる電圧は</a:t>
             </a:r>
             <a:r>
               <a:rPr kumimoji="1" lang="en-US" altLang="ja-JP" dirty="0" smtClean="0"/>
-              <a:t> etc...</a:t>
-            </a:r>
+              <a:t> 0 V (= GND) </a:t>
+            </a:r>
+            <a:r>
+              <a:rPr kumimoji="1" lang="ja-JP" altLang="en-US" dirty="0" smtClean="0"/>
+              <a:t>から</a:t>
+            </a:r>
+            <a:r>
+              <a:rPr kumimoji="1" lang="en-US" altLang="ja-JP" dirty="0" smtClean="0"/>
+              <a:t> 5 V (=</a:t>
+            </a:r>
+            <a:r>
+              <a:rPr kumimoji="1" lang="ja-JP" altLang="en-US" dirty="0" smtClean="0"/>
+              <a:t>電源電圧</a:t>
+            </a:r>
+            <a:r>
+              <a:rPr kumimoji="1" lang="en-US" altLang="ja-JP" dirty="0" smtClean="0"/>
+              <a:t>) </a:t>
+            </a:r>
+            <a:r>
+              <a:rPr kumimoji="1" lang="ja-JP" altLang="en-US" dirty="0" smtClean="0"/>
+              <a:t>まで</a:t>
+            </a:r>
+            <a:endParaRPr kumimoji="1" lang="en-US" altLang="ja-JP" dirty="0"/>
+          </a:p>
+          <a:p>
+            <a:pPr marL="401850" lvl="1" indent="0">
+              <a:buNone/>
+            </a:pPr>
+            <a:r>
+              <a:rPr kumimoji="1" lang="ja-JP" altLang="en-US" dirty="0" smtClean="0"/>
+              <a:t>ピンモードの設定などは不要．</a:t>
+            </a:r>
+            <a:endParaRPr kumimoji="1" lang="en-US" altLang="ja-JP" dirty="0" smtClean="0"/>
+          </a:p>
+          <a:p>
+            <a:pPr marL="401850" lvl="1" indent="0">
+              <a:buNone/>
+            </a:pPr>
+            <a:r>
+              <a:rPr kumimoji="1" lang="ja-JP" altLang="en-US" dirty="0" smtClean="0"/>
+              <a:t>例）</a:t>
+            </a:r>
+            <a:r>
+              <a:rPr kumimoji="1" lang="en-US" altLang="ja-JP" dirty="0" smtClean="0"/>
+              <a:t>  value = </a:t>
+            </a:r>
+            <a:r>
+              <a:rPr kumimoji="1" lang="en-US" altLang="ja-JP" dirty="0" err="1" smtClean="0"/>
+              <a:t>analogRead</a:t>
+            </a:r>
+            <a:r>
+              <a:rPr kumimoji="1" lang="en-US" altLang="ja-JP" dirty="0" smtClean="0"/>
+              <a:t>(0);</a:t>
+            </a:r>
+            <a:endParaRPr kumimoji="1" lang="en-US" altLang="ja-JP" dirty="0"/>
           </a:p>
         </p:txBody>
       </p:sp>
@@ -29978,6 +30016,496 @@
 </file>
 
 <file path=ppt/slides/slide23.xml><?xml version="1.0" encoding="utf-8"?>
+<p:sld xmlns:a="http://schemas.openxmlformats.org/drawingml/2006/main" xmlns:r="http://schemas.openxmlformats.org/officeDocument/2006/relationships" xmlns:p="http://schemas.openxmlformats.org/presentationml/2006/main">
+  <p:cSld>
+    <p:spTree>
+      <p:nvGrpSpPr>
+        <p:cNvPr id="1" name=""/>
+        <p:cNvGrpSpPr/>
+        <p:nvPr/>
+      </p:nvGrpSpPr>
+      <p:grpSpPr>
+        <a:xfrm>
+          <a:off x="0" y="0"/>
+          <a:ext cx="0" cy="0"/>
+          <a:chOff x="0" y="0"/>
+          <a:chExt cx="0" cy="0"/>
+        </a:xfrm>
+      </p:grpSpPr>
+      <p:pic>
+        <p:nvPicPr>
+          <p:cNvPr id="10" name="図 9"/>
+          <p:cNvPicPr>
+            <a:picLocks noChangeAspect="1"/>
+          </p:cNvPicPr>
+          <p:nvPr/>
+        </p:nvPicPr>
+        <p:blipFill>
+          <a:blip r:embed="rId2"/>
+          <a:stretch>
+            <a:fillRect/>
+          </a:stretch>
+        </p:blipFill>
+        <p:spPr>
+          <a:xfrm>
+            <a:off x="5652120" y="1844824"/>
+            <a:ext cx="2921000" cy="4610100"/>
+          </a:xfrm>
+          <a:prstGeom prst="rect">
+            <a:avLst/>
+          </a:prstGeom>
+        </p:spPr>
+      </p:pic>
+      <p:sp>
+        <p:nvSpPr>
+          <p:cNvPr id="2" name="タイトル 1"/>
+          <p:cNvSpPr>
+            <a:spLocks noGrp="1"/>
+          </p:cNvSpPr>
+          <p:nvPr>
+            <p:ph type="title"/>
+          </p:nvPr>
+        </p:nvSpPr>
+        <p:spPr/>
+        <p:txBody>
+          <a:bodyPr/>
+          <a:lstStyle/>
+          <a:p>
+            <a:r>
+              <a:rPr kumimoji="1" lang="ja-JP" altLang="en-US" dirty="0" smtClean="0"/>
+              <a:t>アナログ入力はアナログ回路につなぐ</a:t>
+            </a:r>
+            <a:endParaRPr kumimoji="1" lang="ja-JP" altLang="en-US" dirty="0"/>
+          </a:p>
+        </p:txBody>
+      </p:sp>
+      <p:sp>
+        <p:nvSpPr>
+          <p:cNvPr id="3" name="コンテンツ プレースホルダー 2"/>
+          <p:cNvSpPr>
+            <a:spLocks noGrp="1"/>
+          </p:cNvSpPr>
+          <p:nvPr>
+            <p:ph idx="1"/>
+          </p:nvPr>
+        </p:nvSpPr>
+        <p:spPr/>
+        <p:txBody>
+          <a:bodyPr/>
+          <a:lstStyle/>
+          <a:p>
+            <a:r>
+              <a:rPr kumimoji="1" lang="ja-JP" altLang="en-US" dirty="0" smtClean="0"/>
+              <a:t>ボリューム入力を作る場合</a:t>
+            </a:r>
+            <a:endParaRPr kumimoji="1" lang="ja-JP" altLang="en-US" dirty="0"/>
+          </a:p>
+        </p:txBody>
+      </p:sp>
+      <p:pic>
+        <p:nvPicPr>
+          <p:cNvPr id="7" name="図 6"/>
+          <p:cNvPicPr>
+            <a:picLocks noChangeAspect="1"/>
+          </p:cNvPicPr>
+          <p:nvPr/>
+        </p:nvPicPr>
+        <p:blipFill>
+          <a:blip r:embed="rId3"/>
+          <a:stretch>
+            <a:fillRect/>
+          </a:stretch>
+        </p:blipFill>
+        <p:spPr>
+          <a:xfrm>
+            <a:off x="899592" y="2414860"/>
+            <a:ext cx="4419600" cy="4254500"/>
+          </a:xfrm>
+          <a:prstGeom prst="rect">
+            <a:avLst/>
+          </a:prstGeom>
+        </p:spPr>
+      </p:pic>
+      <p:pic>
+        <p:nvPicPr>
+          <p:cNvPr id="9" name="図 8"/>
+          <p:cNvPicPr>
+            <a:picLocks noChangeAspect="1"/>
+          </p:cNvPicPr>
+          <p:nvPr/>
+        </p:nvPicPr>
+        <p:blipFill>
+          <a:blip r:embed="rId4"/>
+          <a:stretch>
+            <a:fillRect/>
+          </a:stretch>
+        </p:blipFill>
+        <p:spPr>
+          <a:xfrm>
+            <a:off x="5580112" y="3933056"/>
+            <a:ext cx="2667000" cy="1765300"/>
+          </a:xfrm>
+          <a:prstGeom prst="rect">
+            <a:avLst/>
+          </a:prstGeom>
+        </p:spPr>
+      </p:pic>
+    </p:spTree>
+    <p:extLst>
+      <p:ext uri="{BB962C8B-B14F-4D97-AF65-F5344CB8AC3E}">
+        <p14:creationId xmlns:p14="http://schemas.microsoft.com/office/powerpoint/2010/main" val="2432802967"/>
+      </p:ext>
+    </p:extLst>
+  </p:cSld>
+  <p:clrMapOvr>
+    <a:masterClrMapping/>
+  </p:clrMapOvr>
+  <p:transition xmlns:p14="http://schemas.microsoft.com/office/powerpoint/2010/main" spd="slow">
+    <p:wipe dir="d"/>
+  </p:transition>
+</p:sld>
+</file>
+
+<file path=ppt/slides/slide24.xml><?xml version="1.0" encoding="utf-8"?>
+<p:sld xmlns:a="http://schemas.openxmlformats.org/drawingml/2006/main" xmlns:r="http://schemas.openxmlformats.org/officeDocument/2006/relationships" xmlns:p="http://schemas.openxmlformats.org/presentationml/2006/main">
+  <p:cSld>
+    <p:spTree>
+      <p:nvGrpSpPr>
+        <p:cNvPr id="1" name=""/>
+        <p:cNvGrpSpPr/>
+        <p:nvPr/>
+      </p:nvGrpSpPr>
+      <p:grpSpPr>
+        <a:xfrm>
+          <a:off x="0" y="0"/>
+          <a:ext cx="0" cy="0"/>
+          <a:chOff x="0" y="0"/>
+          <a:chExt cx="0" cy="0"/>
+        </a:xfrm>
+      </p:grpSpPr>
+      <p:sp>
+        <p:nvSpPr>
+          <p:cNvPr id="2" name="タイトル 1"/>
+          <p:cNvSpPr>
+            <a:spLocks noGrp="1"/>
+          </p:cNvSpPr>
+          <p:nvPr>
+            <p:ph type="title"/>
+          </p:nvPr>
+        </p:nvSpPr>
+        <p:spPr/>
+        <p:txBody>
+          <a:bodyPr/>
+          <a:lstStyle/>
+          <a:p>
+            <a:r>
+              <a:rPr kumimoji="1" lang="ja-JP" altLang="en-US" dirty="0" smtClean="0"/>
+              <a:t>６．</a:t>
+            </a:r>
+            <a:r>
+              <a:rPr kumimoji="1" lang="ja-JP" altLang="en-US" dirty="0" smtClean="0"/>
+              <a:t>アナログ</a:t>
+            </a:r>
+            <a:r>
+              <a:rPr kumimoji="1" lang="ja-JP" altLang="en-US" dirty="0" smtClean="0"/>
+              <a:t>センサを使う</a:t>
+            </a:r>
+            <a:endParaRPr kumimoji="1" lang="ja-JP" altLang="en-US" dirty="0"/>
+          </a:p>
+        </p:txBody>
+      </p:sp>
+      <p:sp>
+        <p:nvSpPr>
+          <p:cNvPr id="3" name="コンテンツ プレースホルダー 2"/>
+          <p:cNvSpPr>
+            <a:spLocks noGrp="1"/>
+          </p:cNvSpPr>
+          <p:nvPr>
+            <p:ph idx="1"/>
+          </p:nvPr>
+        </p:nvSpPr>
+        <p:spPr/>
+        <p:txBody>
+          <a:bodyPr/>
+          <a:lstStyle/>
+          <a:p>
+            <a:r>
+              <a:rPr kumimoji="1" lang="ja-JP" altLang="en-US" dirty="0" smtClean="0"/>
+              <a:t>アナログタイプ</a:t>
+            </a:r>
+            <a:r>
+              <a:rPr kumimoji="1" lang="ja-JP" altLang="en-US" dirty="0" smtClean="0"/>
+              <a:t>のセンサの出力を利用できる</a:t>
+            </a:r>
+            <a:endParaRPr kumimoji="1" lang="en-US" altLang="ja-JP" dirty="0" smtClean="0"/>
+          </a:p>
+          <a:p>
+            <a:pPr lvl="1"/>
+            <a:r>
+              <a:rPr kumimoji="1" lang="ja-JP" altLang="en-US" dirty="0" smtClean="0"/>
+              <a:t>温度センサ、照度センサ</a:t>
+            </a:r>
+            <a:r>
+              <a:rPr kumimoji="1" lang="ja-JP" altLang="en-US" dirty="0" smtClean="0"/>
+              <a:t>、</a:t>
+            </a:r>
+            <a:r>
+              <a:rPr kumimoji="1" lang="en-US" altLang="ja-JP" dirty="0" smtClean="0"/>
+              <a:t/>
+            </a:r>
+            <a:br>
+              <a:rPr kumimoji="1" lang="en-US" altLang="ja-JP" dirty="0" smtClean="0"/>
+            </a:br>
+            <a:r>
+              <a:rPr kumimoji="1" lang="ja-JP" altLang="en-US" dirty="0" smtClean="0"/>
+              <a:t>距離</a:t>
+            </a:r>
+            <a:r>
+              <a:rPr kumimoji="1" lang="ja-JP" altLang="en-US" dirty="0" smtClean="0"/>
+              <a:t>センサ、加速度センサ</a:t>
+            </a:r>
+            <a:r>
+              <a:rPr kumimoji="1" lang="en-US" altLang="ja-JP" dirty="0" smtClean="0"/>
+              <a:t> etc...</a:t>
+            </a:r>
+          </a:p>
+        </p:txBody>
+      </p:sp>
+      <p:pic>
+        <p:nvPicPr>
+          <p:cNvPr id="4" name="図 3"/>
+          <p:cNvPicPr>
+            <a:picLocks noChangeAspect="1"/>
+          </p:cNvPicPr>
+          <p:nvPr/>
+        </p:nvPicPr>
+        <p:blipFill>
+          <a:blip r:embed="rId2"/>
+          <a:stretch>
+            <a:fillRect/>
+          </a:stretch>
+        </p:blipFill>
+        <p:spPr>
+          <a:xfrm>
+            <a:off x="1691680" y="3314700"/>
+            <a:ext cx="2946400" cy="3543300"/>
+          </a:xfrm>
+          <a:prstGeom prst="rect">
+            <a:avLst/>
+          </a:prstGeom>
+        </p:spPr>
+      </p:pic>
+      <p:pic>
+        <p:nvPicPr>
+          <p:cNvPr id="5" name="図 4"/>
+          <p:cNvPicPr>
+            <a:picLocks noChangeAspect="1"/>
+          </p:cNvPicPr>
+          <p:nvPr/>
+        </p:nvPicPr>
+        <p:blipFill rotWithShape="1">
+          <a:blip r:embed="rId3"/>
+          <a:srcRect l="1277" t="4506" r="-1277" b="7453"/>
+          <a:stretch/>
+        </p:blipFill>
+        <p:spPr>
+          <a:xfrm>
+            <a:off x="5796136" y="2420888"/>
+            <a:ext cx="2984500" cy="4047604"/>
+          </a:xfrm>
+          <a:prstGeom prst="rect">
+            <a:avLst/>
+          </a:prstGeom>
+        </p:spPr>
+      </p:pic>
+    </p:spTree>
+    <p:extLst>
+      <p:ext uri="{BB962C8B-B14F-4D97-AF65-F5344CB8AC3E}">
+        <p14:creationId xmlns:p14="http://schemas.microsoft.com/office/powerpoint/2010/main" val="3747007881"/>
+      </p:ext>
+    </p:extLst>
+  </p:cSld>
+  <p:clrMapOvr>
+    <a:masterClrMapping/>
+  </p:clrMapOvr>
+  <p:transition xmlns:p14="http://schemas.microsoft.com/office/powerpoint/2010/main" spd="slow">
+    <p:wipe dir="d"/>
+  </p:transition>
+</p:sld>
+</file>
+
+<file path=ppt/slides/slide25.xml><?xml version="1.0" encoding="utf-8"?>
+<p:sld xmlns:a="http://schemas.openxmlformats.org/drawingml/2006/main" xmlns:r="http://schemas.openxmlformats.org/officeDocument/2006/relationships" xmlns:p="http://schemas.openxmlformats.org/presentationml/2006/main">
+  <p:cSld>
+    <p:spTree>
+      <p:nvGrpSpPr>
+        <p:cNvPr id="1" name=""/>
+        <p:cNvGrpSpPr/>
+        <p:nvPr/>
+      </p:nvGrpSpPr>
+      <p:grpSpPr>
+        <a:xfrm>
+          <a:off x="0" y="0"/>
+          <a:ext cx="0" cy="0"/>
+          <a:chOff x="0" y="0"/>
+          <a:chExt cx="0" cy="0"/>
+        </a:xfrm>
+      </p:grpSpPr>
+      <p:sp>
+        <p:nvSpPr>
+          <p:cNvPr id="2" name="タイトル 1"/>
+          <p:cNvSpPr>
+            <a:spLocks noGrp="1"/>
+          </p:cNvSpPr>
+          <p:nvPr>
+            <p:ph type="title"/>
+          </p:nvPr>
+        </p:nvSpPr>
+        <p:spPr/>
+        <p:txBody>
+          <a:bodyPr/>
+          <a:lstStyle/>
+          <a:p>
+            <a:r>
+              <a:rPr kumimoji="1" lang="ja-JP" altLang="en-US" dirty="0"/>
+              <a:t>演習課題</a:t>
+            </a:r>
+            <a:r>
+              <a:rPr kumimoji="1" lang="en-US" altLang="ja-JP" dirty="0"/>
+              <a:t> </a:t>
+            </a:r>
+            <a:r>
+              <a:rPr kumimoji="1" lang="en-US" altLang="ja-JP" dirty="0" smtClean="0"/>
+              <a:t>III-3</a:t>
+            </a:r>
+            <a:endParaRPr kumimoji="1" lang="ja-JP" altLang="en-US" dirty="0"/>
+          </a:p>
+        </p:txBody>
+      </p:sp>
+      <p:sp>
+        <p:nvSpPr>
+          <p:cNvPr id="3" name="コンテンツ プレースホルダー 2"/>
+          <p:cNvSpPr>
+            <a:spLocks noGrp="1"/>
+          </p:cNvSpPr>
+          <p:nvPr>
+            <p:ph idx="1"/>
+          </p:nvPr>
+        </p:nvSpPr>
+        <p:spPr/>
+        <p:txBody>
+          <a:bodyPr>
+            <a:normAutofit fontScale="92500" lnSpcReduction="10000"/>
+          </a:bodyPr>
+          <a:lstStyle/>
+          <a:p>
+            <a:r>
+              <a:rPr kumimoji="1" lang="ja-JP" altLang="en-US" dirty="0" smtClean="0"/>
+              <a:t>これまでに学んだことをいかして、入力（デジタルまたはアナログ、または両方）と出力（デジタル）を持ち、プログラムで動作を制御するものを作り、その回路図とスケッチ（プログラム）、その説明をレポートに書いて提出しなさい．</a:t>
+            </a:r>
+            <a:endParaRPr kumimoji="1" lang="en-US" altLang="ja-JP" dirty="0" smtClean="0"/>
+          </a:p>
+          <a:p>
+            <a:pPr marL="0" indent="0">
+              <a:buNone/>
+            </a:pPr>
+            <a:r>
+              <a:rPr kumimoji="1" lang="en-US" altLang="ja-JP" dirty="0" smtClean="0"/>
+              <a:t>※</a:t>
+            </a:r>
+            <a:r>
+              <a:rPr kumimoji="1" lang="ja-JP" altLang="en-US" dirty="0" smtClean="0"/>
+              <a:t>コンピュータシステムならではの機能、動作をするものを作ること．たとえば、スイッチを押すと点灯する、等のようなものは、コンピュータは必要ない．</a:t>
+            </a:r>
+            <a:endParaRPr kumimoji="1" lang="en-US" altLang="ja-JP" dirty="0" smtClean="0"/>
+          </a:p>
+        </p:txBody>
+      </p:sp>
+    </p:spTree>
+    <p:extLst>
+      <p:ext uri="{BB962C8B-B14F-4D97-AF65-F5344CB8AC3E}">
+        <p14:creationId xmlns:p14="http://schemas.microsoft.com/office/powerpoint/2010/main" val="2872548979"/>
+      </p:ext>
+    </p:extLst>
+  </p:cSld>
+  <p:clrMapOvr>
+    <a:masterClrMapping/>
+  </p:clrMapOvr>
+  <p:transition xmlns:p14="http://schemas.microsoft.com/office/powerpoint/2010/main" spd="slow">
+    <p:wipe dir="d"/>
+  </p:transition>
+</p:sld>
+</file>
+
+<file path=ppt/slides/slide26.xml><?xml version="1.0" encoding="utf-8"?>
+<p:sld xmlns:a="http://schemas.openxmlformats.org/drawingml/2006/main" xmlns:r="http://schemas.openxmlformats.org/officeDocument/2006/relationships" xmlns:p="http://schemas.openxmlformats.org/presentationml/2006/main">
+  <p:cSld>
+    <p:spTree>
+      <p:nvGrpSpPr>
+        <p:cNvPr id="1" name=""/>
+        <p:cNvGrpSpPr/>
+        <p:nvPr/>
+      </p:nvGrpSpPr>
+      <p:grpSpPr>
+        <a:xfrm>
+          <a:off x="0" y="0"/>
+          <a:ext cx="0" cy="0"/>
+          <a:chOff x="0" y="0"/>
+          <a:chExt cx="0" cy="0"/>
+        </a:xfrm>
+      </p:grpSpPr>
+      <p:sp>
+        <p:nvSpPr>
+          <p:cNvPr id="4" name="タイトル 3"/>
+          <p:cNvSpPr>
+            <a:spLocks noGrp="1"/>
+          </p:cNvSpPr>
+          <p:nvPr>
+            <p:ph type="title"/>
+          </p:nvPr>
+        </p:nvSpPr>
+        <p:spPr/>
+        <p:txBody>
+          <a:bodyPr/>
+          <a:lstStyle/>
+          <a:p>
+            <a:r>
+              <a:rPr kumimoji="1" lang="ja-JP" altLang="en-US" smtClean="0"/>
+              <a:t>スライドおわり</a:t>
+            </a:r>
+            <a:endParaRPr kumimoji="1" lang="ja-JP" altLang="en-US" dirty="0"/>
+          </a:p>
+        </p:txBody>
+      </p:sp>
+      <p:sp>
+        <p:nvSpPr>
+          <p:cNvPr id="5" name="図プレースホルダー 4"/>
+          <p:cNvSpPr>
+            <a:spLocks noGrp="1"/>
+          </p:cNvSpPr>
+          <p:nvPr>
+            <p:ph type="pic" sz="quarter" idx="13"/>
+          </p:nvPr>
+        </p:nvSpPr>
+        <p:spPr/>
+      </p:sp>
+    </p:spTree>
+    <p:extLst>
+      <p:ext uri="{BB962C8B-B14F-4D97-AF65-F5344CB8AC3E}">
+        <p14:creationId xmlns:p14="http://schemas.microsoft.com/office/powerpoint/2010/main" val="3279129848"/>
+      </p:ext>
+    </p:extLst>
+  </p:cSld>
+  <p:clrMapOvr>
+    <a:masterClrMapping/>
+  </p:clrMapOvr>
+  <p:transition xmlns:p14="http://schemas.microsoft.com/office/powerpoint/2010/main" spd="slow">
+    <p:wipe dir="d"/>
+  </p:transition>
+</p:sld>
+</file>
+
+<file path=ppt/slides/slide27.xml><?xml version="1.0" encoding="utf-8"?>
 <p:sld xmlns:a="http://schemas.openxmlformats.org/drawingml/2006/main" xmlns:r="http://schemas.openxmlformats.org/officeDocument/2006/relationships" xmlns:p="http://schemas.openxmlformats.org/presentationml/2006/main">
   <p:cSld>
     <p:spTree>
@@ -30869,7 +31397,7 @@
 </p:sld>
 </file>
 
-<file path=ppt/slides/slide24.xml><?xml version="1.0" encoding="utf-8"?>
+<file path=ppt/slides/slide28.xml><?xml version="1.0" encoding="utf-8"?>
 <p:sld xmlns:a="http://schemas.openxmlformats.org/drawingml/2006/main" xmlns:r="http://schemas.openxmlformats.org/officeDocument/2006/relationships" xmlns:p="http://schemas.openxmlformats.org/presentationml/2006/main">
   <p:cSld>
     <p:spTree>
@@ -30969,7 +31497,7 @@
 </p:sld>
 </file>
 
-<file path=ppt/slides/slide25.xml><?xml version="1.0" encoding="utf-8"?>
+<file path=ppt/slides/slide29.xml><?xml version="1.0" encoding="utf-8"?>
 <p:sld xmlns:a="http://schemas.openxmlformats.org/drawingml/2006/main" xmlns:r="http://schemas.openxmlformats.org/officeDocument/2006/relationships" xmlns:p="http://schemas.openxmlformats.org/presentationml/2006/main">
   <p:cSld>
     <p:spTree>
@@ -34617,7 +35145,131 @@
 </p:sld>
 </file>
 
-<file path=ppt/slides/slide26.xml><?xml version="1.0" encoding="utf-8"?>
+<file path=ppt/slides/slide3.xml><?xml version="1.0" encoding="utf-8"?>
+<p:sld xmlns:a="http://schemas.openxmlformats.org/drawingml/2006/main" xmlns:r="http://schemas.openxmlformats.org/officeDocument/2006/relationships" xmlns:p="http://schemas.openxmlformats.org/presentationml/2006/main">
+  <p:cSld>
+    <p:spTree>
+      <p:nvGrpSpPr>
+        <p:cNvPr id="1" name=""/>
+        <p:cNvGrpSpPr/>
+        <p:nvPr/>
+      </p:nvGrpSpPr>
+      <p:grpSpPr>
+        <a:xfrm>
+          <a:off x="0" y="0"/>
+          <a:ext cx="0" cy="0"/>
+          <a:chOff x="0" y="0"/>
+          <a:chExt cx="0" cy="0"/>
+        </a:xfrm>
+      </p:grpSpPr>
+      <p:graphicFrame>
+        <p:nvGraphicFramePr>
+          <p:cNvPr id="8" name="コンテンツ プレースホルダー 3"/>
+          <p:cNvGraphicFramePr>
+            <a:graphicFrameLocks/>
+          </p:cNvGraphicFramePr>
+          <p:nvPr>
+            <p:extLst>
+              <p:ext uri="{D42A27DB-BD31-4B8C-83A1-F6EECF244321}">
+                <p14:modId xmlns:p14="http://schemas.microsoft.com/office/powerpoint/2010/main" val="417510172"/>
+              </p:ext>
+            </p:extLst>
+          </p:nvPr>
+        </p:nvGraphicFramePr>
+        <p:xfrm>
+          <a:off x="2843808" y="1628800"/>
+          <a:ext cx="4248472" cy="4680520"/>
+        </p:xfrm>
+        <a:graphic>
+          <a:graphicData uri="http://schemas.openxmlformats.org/drawingml/2006/diagram">
+            <dgm:relIds xmlns:dgm="http://schemas.openxmlformats.org/drawingml/2006/diagram" xmlns:r="http://schemas.openxmlformats.org/officeDocument/2006/relationships" r:dm="rId3" r:lo="rId4" r:qs="rId5" r:cs="rId6"/>
+          </a:graphicData>
+        </a:graphic>
+      </p:graphicFrame>
+      <p:sp>
+        <p:nvSpPr>
+          <p:cNvPr id="5" name="タイトル 4"/>
+          <p:cNvSpPr>
+            <a:spLocks noGrp="1"/>
+          </p:cNvSpPr>
+          <p:nvPr>
+            <p:ph type="title"/>
+          </p:nvPr>
+        </p:nvSpPr>
+        <p:spPr/>
+        <p:txBody>
+          <a:bodyPr/>
+          <a:lstStyle/>
+          <a:p>
+            <a:r>
+              <a:rPr kumimoji="1" lang="ja-JP" altLang="en-US" dirty="0" smtClean="0"/>
+              <a:t>１．</a:t>
+            </a:r>
+            <a:r>
+              <a:rPr kumimoji="1" lang="en-US" altLang="ja-JP" dirty="0" err="1" smtClean="0"/>
+              <a:t>Arduino</a:t>
+            </a:r>
+            <a:r>
+              <a:rPr kumimoji="1" lang="en-US" altLang="ja-JP" dirty="0" smtClean="0"/>
+              <a:t> </a:t>
+            </a:r>
+            <a:r>
+              <a:rPr kumimoji="1" lang="ja-JP" altLang="en-US" dirty="0" smtClean="0"/>
+              <a:t>のプロジェクト作成手順</a:t>
+            </a:r>
+            <a:endParaRPr kumimoji="1" lang="ja-JP" altLang="en-US" dirty="0"/>
+          </a:p>
+        </p:txBody>
+      </p:sp>
+      <p:graphicFrame>
+        <p:nvGraphicFramePr>
+          <p:cNvPr id="4" name="コンテンツ プレースホルダー 3"/>
+          <p:cNvGraphicFramePr>
+            <a:graphicFrameLocks noGrp="1"/>
+          </p:cNvGraphicFramePr>
+          <p:nvPr>
+            <p:ph idx="1"/>
+            <p:extLst>
+              <p:ext uri="{D42A27DB-BD31-4B8C-83A1-F6EECF244321}">
+                <p14:modId xmlns:p14="http://schemas.microsoft.com/office/powerpoint/2010/main" val="4103285493"/>
+              </p:ext>
+            </p:extLst>
+          </p:nvPr>
+        </p:nvGraphicFramePr>
+        <p:xfrm>
+          <a:off x="1770112" y="1597025"/>
+          <a:ext cx="3665984" cy="4712295"/>
+        </p:xfrm>
+        <a:graphic>
+          <a:graphicData uri="http://schemas.openxmlformats.org/drawingml/2006/diagram">
+            <dgm:relIds xmlns:dgm="http://schemas.openxmlformats.org/drawingml/2006/diagram" xmlns:r="http://schemas.openxmlformats.org/officeDocument/2006/relationships" r:dm="rId8" r:lo="rId9" r:qs="rId10" r:cs="rId11"/>
+          </a:graphicData>
+        </a:graphic>
+      </p:graphicFrame>
+    </p:spTree>
+    <p:extLst>
+      <p:ext uri="{BB962C8B-B14F-4D97-AF65-F5344CB8AC3E}">
+        <p14:creationId xmlns:p14="http://schemas.microsoft.com/office/powerpoint/2010/main" val="1569885079"/>
+      </p:ext>
+    </p:extLst>
+  </p:cSld>
+  <p:clrMapOvr>
+    <a:masterClrMapping/>
+  </p:clrMapOvr>
+  <p:transition xmlns:p14="http://schemas.microsoft.com/office/powerpoint/2010/main" spd="slow">
+    <p:wipe dir="d"/>
+  </p:transition>
+  <p:timing>
+    <p:tnLst>
+      <p:par>
+        <p:cTn xmlns:p14="http://schemas.microsoft.com/office/powerpoint/2010/main" id="1" dur="indefinite" restart="never" nodeType="tmRoot"/>
+      </p:par>
+    </p:tnLst>
+  </p:timing>
+</p:sld>
+</file>
+
+<file path=ppt/slides/slide30.xml><?xml version="1.0" encoding="utf-8"?>
 <p:sld xmlns:a="http://schemas.openxmlformats.org/drawingml/2006/main" xmlns:r="http://schemas.openxmlformats.org/officeDocument/2006/relationships" xmlns:p="http://schemas.openxmlformats.org/presentationml/2006/main">
   <p:cSld>
     <p:spTree>
@@ -37529,7 +38181,7 @@
 </p:sld>
 </file>
 
-<file path=ppt/slides/slide27.xml><?xml version="1.0" encoding="utf-8"?>
+<file path=ppt/slides/slide31.xml><?xml version="1.0" encoding="utf-8"?>
 <p:sld xmlns:a="http://schemas.openxmlformats.org/drawingml/2006/main" xmlns:r="http://schemas.openxmlformats.org/officeDocument/2006/relationships" xmlns:p="http://schemas.openxmlformats.org/presentationml/2006/main">
   <p:cSld>
     <p:spTree>
@@ -40364,7 +41016,7 @@
 </p:sld>
 </file>
 
-<file path=ppt/slides/slide28.xml><?xml version="1.0" encoding="utf-8"?>
+<file path=ppt/slides/slide32.xml><?xml version="1.0" encoding="utf-8"?>
 <p:sld xmlns:a="http://schemas.openxmlformats.org/drawingml/2006/main" xmlns:r="http://schemas.openxmlformats.org/officeDocument/2006/relationships" xmlns:p="http://schemas.openxmlformats.org/presentationml/2006/main">
   <p:cSld>
     <p:spTree>
@@ -42014,7 +42666,7 @@
 </p:sld>
 </file>
 
-<file path=ppt/slides/slide29.xml><?xml version="1.0" encoding="utf-8"?>
+<file path=ppt/slides/slide33.xml><?xml version="1.0" encoding="utf-8"?>
 <p:sld xmlns:a="http://schemas.openxmlformats.org/drawingml/2006/main" xmlns:r="http://schemas.openxmlformats.org/officeDocument/2006/relationships" xmlns:p="http://schemas.openxmlformats.org/presentationml/2006/main">
   <p:cSld>
     <p:spTree>
@@ -42157,130 +42809,6 @@
   <p:transition xmlns:p14="http://schemas.microsoft.com/office/powerpoint/2010/main" spd="slow">
     <p:wipe dir="d"/>
   </p:transition>
-</p:sld>
-</file>
-
-<file path=ppt/slides/slide3.xml><?xml version="1.0" encoding="utf-8"?>
-<p:sld xmlns:a="http://schemas.openxmlformats.org/drawingml/2006/main" xmlns:r="http://schemas.openxmlformats.org/officeDocument/2006/relationships" xmlns:p="http://schemas.openxmlformats.org/presentationml/2006/main">
-  <p:cSld>
-    <p:spTree>
-      <p:nvGrpSpPr>
-        <p:cNvPr id="1" name=""/>
-        <p:cNvGrpSpPr/>
-        <p:nvPr/>
-      </p:nvGrpSpPr>
-      <p:grpSpPr>
-        <a:xfrm>
-          <a:off x="0" y="0"/>
-          <a:ext cx="0" cy="0"/>
-          <a:chOff x="0" y="0"/>
-          <a:chExt cx="0" cy="0"/>
-        </a:xfrm>
-      </p:grpSpPr>
-      <p:graphicFrame>
-        <p:nvGraphicFramePr>
-          <p:cNvPr id="8" name="コンテンツ プレースホルダー 3"/>
-          <p:cNvGraphicFramePr>
-            <a:graphicFrameLocks/>
-          </p:cNvGraphicFramePr>
-          <p:nvPr>
-            <p:extLst>
-              <p:ext uri="{D42A27DB-BD31-4B8C-83A1-F6EECF244321}">
-                <p14:modId xmlns:p14="http://schemas.microsoft.com/office/powerpoint/2010/main" val="417510172"/>
-              </p:ext>
-            </p:extLst>
-          </p:nvPr>
-        </p:nvGraphicFramePr>
-        <p:xfrm>
-          <a:off x="2843808" y="1628800"/>
-          <a:ext cx="4248472" cy="4680520"/>
-        </p:xfrm>
-        <a:graphic>
-          <a:graphicData uri="http://schemas.openxmlformats.org/drawingml/2006/diagram">
-            <dgm:relIds xmlns:dgm="http://schemas.openxmlformats.org/drawingml/2006/diagram" xmlns:r="http://schemas.openxmlformats.org/officeDocument/2006/relationships" r:dm="rId3" r:lo="rId4" r:qs="rId5" r:cs="rId6"/>
-          </a:graphicData>
-        </a:graphic>
-      </p:graphicFrame>
-      <p:sp>
-        <p:nvSpPr>
-          <p:cNvPr id="5" name="タイトル 4"/>
-          <p:cNvSpPr>
-            <a:spLocks noGrp="1"/>
-          </p:cNvSpPr>
-          <p:nvPr>
-            <p:ph type="title"/>
-          </p:nvPr>
-        </p:nvSpPr>
-        <p:spPr/>
-        <p:txBody>
-          <a:bodyPr/>
-          <a:lstStyle/>
-          <a:p>
-            <a:r>
-              <a:rPr kumimoji="1" lang="ja-JP" altLang="en-US" dirty="0" smtClean="0"/>
-              <a:t>１．</a:t>
-            </a:r>
-            <a:r>
-              <a:rPr kumimoji="1" lang="en-US" altLang="ja-JP" dirty="0" err="1" smtClean="0"/>
-              <a:t>Arduino</a:t>
-            </a:r>
-            <a:r>
-              <a:rPr kumimoji="1" lang="en-US" altLang="ja-JP" dirty="0" smtClean="0"/>
-              <a:t> </a:t>
-            </a:r>
-            <a:r>
-              <a:rPr kumimoji="1" lang="ja-JP" altLang="en-US" dirty="0" smtClean="0"/>
-              <a:t>のプロジェクト作成手順</a:t>
-            </a:r>
-            <a:endParaRPr kumimoji="1" lang="ja-JP" altLang="en-US" dirty="0"/>
-          </a:p>
-        </p:txBody>
-      </p:sp>
-      <p:graphicFrame>
-        <p:nvGraphicFramePr>
-          <p:cNvPr id="4" name="コンテンツ プレースホルダー 3"/>
-          <p:cNvGraphicFramePr>
-            <a:graphicFrameLocks noGrp="1"/>
-          </p:cNvGraphicFramePr>
-          <p:nvPr>
-            <p:ph idx="1"/>
-            <p:extLst>
-              <p:ext uri="{D42A27DB-BD31-4B8C-83A1-F6EECF244321}">
-                <p14:modId xmlns:p14="http://schemas.microsoft.com/office/powerpoint/2010/main" val="4103285493"/>
-              </p:ext>
-            </p:extLst>
-          </p:nvPr>
-        </p:nvGraphicFramePr>
-        <p:xfrm>
-          <a:off x="1770112" y="1597025"/>
-          <a:ext cx="3665984" cy="4712295"/>
-        </p:xfrm>
-        <a:graphic>
-          <a:graphicData uri="http://schemas.openxmlformats.org/drawingml/2006/diagram">
-            <dgm:relIds xmlns:dgm="http://schemas.openxmlformats.org/drawingml/2006/diagram" xmlns:r="http://schemas.openxmlformats.org/officeDocument/2006/relationships" r:dm="rId8" r:lo="rId9" r:qs="rId10" r:cs="rId11"/>
-          </a:graphicData>
-        </a:graphic>
-      </p:graphicFrame>
-    </p:spTree>
-    <p:extLst>
-      <p:ext uri="{BB962C8B-B14F-4D97-AF65-F5344CB8AC3E}">
-        <p14:creationId xmlns:p14="http://schemas.microsoft.com/office/powerpoint/2010/main" val="1569885079"/>
-      </p:ext>
-    </p:extLst>
-  </p:cSld>
-  <p:clrMapOvr>
-    <a:masterClrMapping/>
-  </p:clrMapOvr>
-  <p:transition xmlns:p14="http://schemas.microsoft.com/office/powerpoint/2010/main" spd="slow">
-    <p:wipe dir="d"/>
-  </p:transition>
-  <p:timing>
-    <p:tnLst>
-      <p:par>
-        <p:cTn xmlns:p14="http://schemas.microsoft.com/office/powerpoint/2010/main" id="1" dur="indefinite" restart="never" nodeType="tmRoot"/>
-      </p:par>
-    </p:tnLst>
-  </p:timing>
 </p:sld>
 </file>
 
